--- a/fuentes/contenidos/grado10/guion05/CN_10_05_REC280.pptx
+++ b/fuentes/contenidos/grado10/guion05/CN_10_05_REC280.pptx
@@ -106,7 +106,7 @@
   </p:defaultTextStyle>
   <p:extLst>
     <p:ext uri="{EFAFB233-063F-42B5-8137-9DF3F51BA10A}">
-      <p15:sldGuideLst xmlns:p15="http://schemas.microsoft.com/office/powerpoint/2012/main">
+      <p15:sldGuideLst xmlns:p15="http://schemas.microsoft.com/office/powerpoint/2012/main" xmlns="">
         <p15:guide id="1" orient="horz" pos="2160">
           <p15:clr>
             <a:srgbClr val="A4A3A4"/>
@@ -153,7 +153,7 @@
   <p:timing>
     <p:tnLst>
       <p:par>
-        <p:cTn id="1" dur="indefinite" restart="never" nodeType="tmRoot"/>
+        <p:cTn xmlns:p14="http://schemas.microsoft.com/office/powerpoint/2010/main" id="1" dur="indefinite" restart="never" nodeType="tmRoot"/>
       </p:par>
     </p:tnLst>
   </p:timing>
@@ -190,7 +190,7 @@
   <p:timing>
     <p:tnLst>
       <p:par>
-        <p:cTn id="1" dur="indefinite" restart="never" nodeType="tmRoot"/>
+        <p:cTn xmlns:p14="http://schemas.microsoft.com/office/powerpoint/2010/main" id="1" dur="indefinite" restart="never" nodeType="tmRoot"/>
       </p:par>
     </p:tnLst>
   </p:timing>
@@ -227,7 +227,7 @@
   <p:timing>
     <p:tnLst>
       <p:par>
-        <p:cTn id="1" dur="indefinite" restart="never" nodeType="tmRoot"/>
+        <p:cTn xmlns:p14="http://schemas.microsoft.com/office/powerpoint/2010/main" id="1" dur="indefinite" restart="never" nodeType="tmRoot"/>
       </p:par>
     </p:tnLst>
   </p:timing>
@@ -264,7 +264,7 @@
   <p:timing>
     <p:tnLst>
       <p:par>
-        <p:cTn id="1" dur="indefinite" restart="never" nodeType="tmRoot"/>
+        <p:cTn xmlns:p14="http://schemas.microsoft.com/office/powerpoint/2010/main" id="1" dur="indefinite" restart="never" nodeType="tmRoot"/>
       </p:par>
     </p:tnLst>
   </p:timing>
@@ -301,7 +301,7 @@
   <p:timing>
     <p:tnLst>
       <p:par>
-        <p:cTn id="1" dur="indefinite" restart="never" nodeType="tmRoot"/>
+        <p:cTn xmlns:p14="http://schemas.microsoft.com/office/powerpoint/2010/main" id="1" dur="indefinite" restart="never" nodeType="tmRoot"/>
       </p:par>
     </p:tnLst>
   </p:timing>
@@ -338,7 +338,7 @@
   <p:timing>
     <p:tnLst>
       <p:par>
-        <p:cTn id="1" dur="indefinite" restart="never" nodeType="tmRoot"/>
+        <p:cTn xmlns:p14="http://schemas.microsoft.com/office/powerpoint/2010/main" id="1" dur="indefinite" restart="never" nodeType="tmRoot"/>
       </p:par>
     </p:tnLst>
   </p:timing>
@@ -375,7 +375,7 @@
   <p:timing>
     <p:tnLst>
       <p:par>
-        <p:cTn id="1" dur="indefinite" restart="never" nodeType="tmRoot"/>
+        <p:cTn xmlns:p14="http://schemas.microsoft.com/office/powerpoint/2010/main" id="1" dur="indefinite" restart="never" nodeType="tmRoot"/>
       </p:par>
     </p:tnLst>
   </p:timing>
@@ -412,7 +412,7 @@
   <p:timing>
     <p:tnLst>
       <p:par>
-        <p:cTn id="1" dur="indefinite" restart="never" nodeType="tmRoot"/>
+        <p:cTn xmlns:p14="http://schemas.microsoft.com/office/powerpoint/2010/main" id="1" dur="indefinite" restart="never" nodeType="tmRoot"/>
       </p:par>
     </p:tnLst>
   </p:timing>
@@ -461,7 +461,7 @@
           <a:p>
             <a:fld id="{5001C876-01F7-4317-94B9-1AE222133113}" type="datetimeFigureOut">
               <a:rPr lang="es-ES" smtClean="0"/>
-              <a:t>31/08/2015</a:t>
+              <a:t>14/09/15</a:t>
             </a:fld>
             <a:endParaRPr lang="es-ES"/>
           </a:p>
@@ -519,7 +519,7 @@
           <a:p>
             <a:fld id="{58140F73-F5A2-4B82-A2FA-BF1850CF1309}" type="slidenum">
               <a:rPr lang="es-ES" smtClean="0"/>
-              <a:t>‹Nº›</a:t>
+              <a:t>‹Nr.›</a:t>
             </a:fld>
             <a:endParaRPr lang="es-ES"/>
           </a:p>
@@ -538,7 +538,7 @@
   <p:timing>
     <p:tnLst>
       <p:par>
-        <p:cTn id="1" dur="indefinite" restart="never" nodeType="tmRoot"/>
+        <p:cTn xmlns:p14="http://schemas.microsoft.com/office/powerpoint/2010/main" id="1" dur="indefinite" restart="never" nodeType="tmRoot"/>
       </p:par>
     </p:tnLst>
   </p:timing>
@@ -575,7 +575,7 @@
   <p:timing>
     <p:tnLst>
       <p:par>
-        <p:cTn id="1" dur="indefinite" restart="never" nodeType="tmRoot"/>
+        <p:cTn xmlns:p14="http://schemas.microsoft.com/office/powerpoint/2010/main" id="1" dur="indefinite" restart="never" nodeType="tmRoot"/>
       </p:par>
     </p:tnLst>
   </p:timing>
@@ -612,7 +612,7 @@
   <p:timing>
     <p:tnLst>
       <p:par>
-        <p:cTn id="1" dur="indefinite" restart="never" nodeType="tmRoot"/>
+        <p:cTn xmlns:p14="http://schemas.microsoft.com/office/powerpoint/2010/main" id="1" dur="indefinite" restart="never" nodeType="tmRoot"/>
       </p:par>
     </p:tnLst>
   </p:timing>
@@ -725,7 +725,7 @@
   <p:timing>
     <p:tnLst>
       <p:par>
-        <p:cTn id="1" dur="indefinite" restart="never" nodeType="tmRoot"/>
+        <p:cTn xmlns:p14="http://schemas.microsoft.com/office/powerpoint/2010/main" id="1" dur="indefinite" restart="never" nodeType="tmRoot"/>
       </p:par>
     </p:tnLst>
   </p:timing>
@@ -1073,7 +1073,11 @@
             <a:pPr algn="ctr"/>
             <a:r>
               <a:rPr lang="es-ES" sz="1600" dirty="0" smtClean="0"/>
-              <a:t>Dinámica</a:t>
+              <a:t>Trabajo y Energ</a:t>
+            </a:r>
+            <a:r>
+              <a:rPr lang="es-ES" sz="1600" dirty="0" smtClean="0"/>
+              <a:t>ía</a:t>
             </a:r>
             <a:endParaRPr lang="es-ES" sz="1600" dirty="0"/>
           </a:p>
@@ -1087,7 +1091,7 @@
         </p:nvSpPr>
         <p:spPr>
           <a:xfrm>
-            <a:off x="316407" y="919845"/>
+            <a:off x="526561" y="919845"/>
             <a:ext cx="1083817" cy="572265"/>
           </a:xfrm>
           <a:prstGeom prst="rect">
@@ -1129,9 +1133,10 @@
           <a:p>
             <a:pPr algn="ctr"/>
             <a:r>
-              <a:rPr lang="es-ES" sz="1200" b="1" dirty="0"/>
-              <a:t>Rotación de los cuerpos</a:t>
-            </a:r>
+              <a:rPr lang="es-ES" sz="1200" b="1" dirty="0" smtClean="0"/>
+              <a:t>Fuerza</a:t>
+            </a:r>
+            <a:endParaRPr lang="es-ES" sz="1200" b="1" dirty="0"/>
           </a:p>
         </p:txBody>
       </p:sp>
@@ -1187,11 +1192,6 @@
               </a:rPr>
               <a:t>Se presenta entre partículas subatómicas</a:t>
             </a:r>
-            <a:endParaRPr lang="es-ES" sz="800" dirty="0">
-              <a:solidFill>
-                <a:schemeClr val="tx1"/>
-              </a:solidFill>
-            </a:endParaRPr>
           </a:p>
         </p:txBody>
       </p:sp>
@@ -1331,11 +1331,6 @@
               </a:rPr>
               <a:t>nuclear débil</a:t>
             </a:r>
-            <a:endParaRPr lang="es-ES" sz="900" dirty="0">
-              <a:solidFill>
-                <a:schemeClr val="bg1"/>
-              </a:solidFill>
-            </a:endParaRPr>
           </a:p>
         </p:txBody>
       </p:sp>
@@ -1407,11 +1402,6 @@
               </a:rPr>
               <a:t>eso</a:t>
             </a:r>
-            <a:endParaRPr lang="es-ES" sz="1600" baseline="30000" dirty="0" smtClean="0">
-              <a:solidFill>
-                <a:schemeClr val="bg1"/>
-              </a:solidFill>
-            </a:endParaRPr>
           </a:p>
         </p:txBody>
       </p:sp>
@@ -1423,7 +1413,7 @@
         </p:nvSpPr>
         <p:spPr>
           <a:xfrm>
-            <a:off x="1053354" y="3008926"/>
+            <a:off x="1976206" y="3831201"/>
             <a:ext cx="841997" cy="518746"/>
           </a:xfrm>
           <a:prstGeom prst="rect">
@@ -1473,15 +1463,7 @@
                   <a:schemeClr val="bg1"/>
                 </a:solidFill>
               </a:rPr>
-              <a:t>uerza </a:t>
-            </a:r>
-            <a:r>
-              <a:rPr lang="es-CO" sz="1050" dirty="0" smtClean="0">
-                <a:solidFill>
-                  <a:schemeClr val="bg1"/>
-                </a:solidFill>
-              </a:rPr>
-              <a:t>de fricción o rozamiento</a:t>
+              <a:t>uerza de fricción o rozamiento</a:t>
             </a:r>
             <a:endParaRPr lang="es-ES" sz="1050" dirty="0">
               <a:solidFill>
@@ -1551,11 +1533,6 @@
               </a:rPr>
               <a:t>electromagnética</a:t>
             </a:r>
-            <a:endParaRPr lang="es-ES" sz="900" dirty="0">
-              <a:solidFill>
-                <a:schemeClr val="bg1"/>
-              </a:solidFill>
-            </a:endParaRPr>
           </a:p>
         </p:txBody>
       </p:sp>
@@ -1619,11 +1596,6 @@
               </a:rPr>
               <a:t>nuclear fuerte</a:t>
             </a:r>
-            <a:endParaRPr lang="es-ES" sz="1000" dirty="0">
-              <a:solidFill>
-                <a:schemeClr val="bg1"/>
-              </a:solidFill>
-            </a:endParaRPr>
           </a:p>
         </p:txBody>
       </p:sp>
@@ -1883,11 +1855,6 @@
               </a:rPr>
               <a:t>se presentan entre cargas eléctricas, puede ser atractiva o repulsiva.</a:t>
             </a:r>
-            <a:endParaRPr lang="es-ES" sz="800" dirty="0">
-              <a:solidFill>
-                <a:schemeClr val="tx1"/>
-              </a:solidFill>
-            </a:endParaRPr>
           </a:p>
         </p:txBody>
       </p:sp>
@@ -1968,7 +1935,7 @@
           <a:lstStyle/>
           <a:p>
             <a:r>
-              <a:rPr lang="es-CO" sz="900"/>
+              <a:rPr lang="es-CO" sz="900" dirty="0"/>
               <a:t>considera que la causa del movimiento son</a:t>
             </a:r>
             <a:endParaRPr lang="pt-BR" sz="900" dirty="0"/>
@@ -2013,8 +1980,8 @@
         </p:nvSpPr>
         <p:spPr>
           <a:xfrm>
-            <a:off x="1006951" y="576178"/>
-            <a:ext cx="1213794" cy="230832"/>
+            <a:off x="705425" y="649270"/>
+            <a:ext cx="659912" cy="230832"/>
           </a:xfrm>
           <a:prstGeom prst="rect">
             <a:avLst/>
@@ -2027,8 +1994,20 @@
           <a:lstStyle/>
           <a:p>
             <a:r>
-              <a:rPr lang="pt-BR" sz="900"/>
-              <a:t>plantea las Leyes para</a:t>
+              <a:rPr lang="pt-BR" sz="900" dirty="0" err="1"/>
+              <a:t>c</a:t>
+            </a:r>
+            <a:r>
+              <a:rPr lang="pt-BR" sz="900" dirty="0" err="1" smtClean="0"/>
+              <a:t>lasifica</a:t>
+            </a:r>
+            <a:r>
+              <a:rPr lang="pt-BR" sz="900" dirty="0" smtClean="0"/>
+              <a:t> </a:t>
+            </a:r>
+            <a:r>
+              <a:rPr lang="pt-BR" sz="900" dirty="0" err="1" smtClean="0"/>
+              <a:t>la</a:t>
             </a:r>
             <a:endParaRPr lang="pt-BR" sz="900" dirty="0"/>
           </a:p>
@@ -2100,104 +2079,6 @@
           </a:p>
         </p:txBody>
       </p:sp>
-      <p:sp>
-        <p:nvSpPr>
-          <p:cNvPr id="57" name="Rectángulo 56"/>
-          <p:cNvSpPr/>
-          <p:nvPr/>
-        </p:nvSpPr>
-        <p:spPr>
-          <a:xfrm>
-            <a:off x="1599148" y="962387"/>
-            <a:ext cx="1154782" cy="392008"/>
-          </a:xfrm>
-          <a:prstGeom prst="rect">
-            <a:avLst/>
-          </a:prstGeom>
-          <a:effectLst>
-            <a:outerShdw blurRad="50800" dist="38100" dir="2700000" algn="tl" rotWithShape="0">
-              <a:prstClr val="black">
-                <a:alpha val="40000"/>
-              </a:prstClr>
-            </a:outerShdw>
-          </a:effectLst>
-        </p:spPr>
-        <p:style>
-          <a:lnRef idx="2">
-            <a:schemeClr val="dk1"/>
-          </a:lnRef>
-          <a:fillRef idx="1">
-            <a:schemeClr val="lt1"/>
-          </a:fillRef>
-          <a:effectRef idx="0">
-            <a:schemeClr val="dk1"/>
-          </a:effectRef>
-          <a:fontRef idx="minor">
-            <a:schemeClr val="dk1"/>
-          </a:fontRef>
-        </p:style>
-        <p:txBody>
-          <a:bodyPr rtlCol="0" anchor="ctr"/>
-          <a:lstStyle/>
-          <a:p>
-            <a:pPr algn="ctr"/>
-            <a:r>
-              <a:rPr lang="pt-BR" sz="1200" b="1" dirty="0" err="1"/>
-              <a:t>Traslación</a:t>
-            </a:r>
-            <a:r>
-              <a:rPr lang="pt-BR" sz="1200" b="1" dirty="0"/>
-              <a:t> de </a:t>
-            </a:r>
-            <a:r>
-              <a:rPr lang="pt-BR" sz="1200" b="1" dirty="0" err="1"/>
-              <a:t>los</a:t>
-            </a:r>
-            <a:r>
-              <a:rPr lang="pt-BR" sz="1200" b="1" dirty="0"/>
-              <a:t> objetos</a:t>
-            </a:r>
-          </a:p>
-        </p:txBody>
-      </p:sp>
-      <p:cxnSp>
-        <p:nvCxnSpPr>
-          <p:cNvPr id="454" name="Conector angular 453"/>
-          <p:cNvCxnSpPr>
-            <a:stCxn id="6" idx="2"/>
-            <a:endCxn id="5" idx="0"/>
-          </p:cNvCxnSpPr>
-          <p:nvPr/>
-        </p:nvCxnSpPr>
-        <p:spPr>
-          <a:xfrm rot="5400000">
-            <a:off x="1179665" y="485661"/>
-            <a:ext cx="112835" cy="755532"/>
-          </a:xfrm>
-          <a:prstGeom prst="bentConnector3">
-            <a:avLst/>
-          </a:prstGeom>
-          <a:ln>
-            <a:solidFill>
-              <a:schemeClr val="tx1"/>
-            </a:solidFill>
-          </a:ln>
-        </p:spPr>
-        <p:style>
-          <a:lnRef idx="1">
-            <a:schemeClr val="accent1"/>
-          </a:lnRef>
-          <a:fillRef idx="0">
-            <a:schemeClr val="accent1"/>
-          </a:fillRef>
-          <a:effectRef idx="0">
-            <a:schemeClr val="accent1"/>
-          </a:effectRef>
-          <a:fontRef idx="minor">
-            <a:schemeClr val="tx1"/>
-          </a:fontRef>
-        </p:style>
-      </p:cxnSp>
       <p:sp>
         <p:nvSpPr>
           <p:cNvPr id="72" name="Rectángulo 71"/>
@@ -2485,75 +2366,6 @@
           </a:fontRef>
         </p:style>
       </p:cxnSp>
-      <p:sp>
-        <p:nvSpPr>
-          <p:cNvPr id="178" name="Rectángulo 177"/>
-          <p:cNvSpPr/>
-          <p:nvPr/>
-        </p:nvSpPr>
-        <p:spPr>
-          <a:xfrm>
-            <a:off x="1814879" y="1680184"/>
-            <a:ext cx="708848" cy="230832"/>
-          </a:xfrm>
-          <a:prstGeom prst="rect">
-            <a:avLst/>
-          </a:prstGeom>
-        </p:spPr>
-        <p:txBody>
-          <a:bodyPr wrap="none">
-            <a:spAutoFit/>
-          </a:bodyPr>
-          <a:lstStyle/>
-          <a:p>
-            <a:r>
-              <a:rPr lang="pt-BR" sz="900" dirty="0">
-                <a:solidFill>
-                  <a:srgbClr val="FF0000"/>
-                </a:solidFill>
-              </a:rPr>
-              <a:t>q</a:t>
-            </a:r>
-            <a:r>
-              <a:rPr lang="pt-BR" sz="900" dirty="0" smtClean="0">
-                <a:solidFill>
-                  <a:srgbClr val="FF0000"/>
-                </a:solidFill>
-              </a:rPr>
-              <a:t>ue </a:t>
-            </a:r>
-            <a:r>
-              <a:rPr lang="pt-BR" sz="900" dirty="0" err="1" smtClean="0">
-                <a:solidFill>
-                  <a:srgbClr val="FF0000"/>
-                </a:solidFill>
-              </a:rPr>
-              <a:t>son</a:t>
-            </a:r>
-            <a:r>
-              <a:rPr lang="pt-BR" sz="900" dirty="0" smtClean="0">
-                <a:solidFill>
-                  <a:srgbClr val="FF0000"/>
-                </a:solidFill>
-              </a:rPr>
-              <a:t> </a:t>
-            </a:r>
-            <a:r>
-              <a:rPr lang="pt-BR" sz="900" dirty="0" err="1" smtClean="0">
-                <a:solidFill>
-                  <a:srgbClr val="FF0000"/>
-                </a:solidFill>
-              </a:rPr>
-              <a:t>las</a:t>
-            </a:r>
-            <a:endParaRPr lang="pt-BR" sz="900" dirty="0">
-              <a:solidFill>
-                <a:srgbClr val="FF0000"/>
-              </a:solidFill>
-            </a:endParaRPr>
-          </a:p>
-        </p:txBody>
-      </p:sp>
       <p:cxnSp>
         <p:nvCxnSpPr>
           <p:cNvPr id="185" name="Conector angular 184"/>
@@ -2594,60 +2406,6 @@
           </a:fontRef>
         </p:style>
       </p:cxnSp>
-      <p:sp>
-        <p:nvSpPr>
-          <p:cNvPr id="580" name="Rectángulo 579"/>
-          <p:cNvSpPr/>
-          <p:nvPr/>
-        </p:nvSpPr>
-        <p:spPr>
-          <a:xfrm>
-            <a:off x="788022" y="3907029"/>
-            <a:ext cx="332059" cy="319369"/>
-          </a:xfrm>
-          <a:prstGeom prst="rect">
-            <a:avLst/>
-          </a:prstGeom>
-          <a:solidFill>
-            <a:schemeClr val="bg2">
-              <a:lumMod val="50000"/>
-            </a:schemeClr>
-          </a:solidFill>
-          <a:ln>
-            <a:solidFill>
-              <a:schemeClr val="tx1"/>
-            </a:solidFill>
-          </a:ln>
-        </p:spPr>
-        <p:style>
-          <a:lnRef idx="2">
-            <a:schemeClr val="accent1">
-              <a:shade val="50000"/>
-            </a:schemeClr>
-          </a:lnRef>
-          <a:fillRef idx="1">
-            <a:schemeClr val="accent1"/>
-          </a:fillRef>
-          <a:effectRef idx="0">
-            <a:schemeClr val="accent1"/>
-          </a:effectRef>
-          <a:fontRef idx="minor">
-            <a:schemeClr val="lt1"/>
-          </a:fontRef>
-        </p:style>
-        <p:txBody>
-          <a:bodyPr rtlCol="0" anchor="ctr"/>
-          <a:lstStyle/>
-          <a:p>
-            <a:pPr algn="ctr"/>
-            <a:r>
-              <a:rPr lang="es-CO" sz="1100" dirty="0"/>
-              <a:t>I</a:t>
-            </a:r>
-            <a:endParaRPr lang="pt-BR" sz="1100" dirty="0"/>
-          </a:p>
-        </p:txBody>
-      </p:sp>
       <p:sp>
         <p:nvSpPr>
           <p:cNvPr id="584" name="Rectángulo 583"/>
@@ -3003,7 +2761,6 @@
               <a:rPr lang="pt-BR" sz="800" dirty="0"/>
               <a:t>gravitacional</a:t>
             </a:r>
-            <a:endParaRPr lang="pt-BR" sz="800" dirty="0"/>
           </a:p>
         </p:txBody>
       </p:sp>
@@ -3015,8 +2772,8 @@
         </p:nvSpPr>
         <p:spPr>
           <a:xfrm>
-            <a:off x="393965" y="2080691"/>
-            <a:ext cx="914734" cy="486222"/>
+            <a:off x="393966" y="3992600"/>
+            <a:ext cx="994882" cy="465545"/>
           </a:xfrm>
           <a:prstGeom prst="rect">
             <a:avLst/>
@@ -3055,61 +2812,7 @@
             <a:pPr algn="ctr"/>
             <a:r>
               <a:rPr lang="es-CO" sz="900" dirty="0" smtClean="0"/>
-              <a:t>torque o momento fuerza</a:t>
-            </a:r>
-            <a:endParaRPr lang="pt-BR" sz="900" dirty="0"/>
-          </a:p>
-        </p:txBody>
-      </p:sp>
-      <p:sp>
-        <p:nvSpPr>
-          <p:cNvPr id="657" name="Rectángulo 656"/>
-          <p:cNvSpPr/>
-          <p:nvPr/>
-        </p:nvSpPr>
-        <p:spPr>
-          <a:xfrm>
-            <a:off x="1855953" y="2114259"/>
-            <a:ext cx="641172" cy="398461"/>
-          </a:xfrm>
-          <a:prstGeom prst="rect">
-            <a:avLst/>
-          </a:prstGeom>
-          <a:solidFill>
-            <a:schemeClr val="bg2">
-              <a:lumMod val="50000"/>
-            </a:schemeClr>
-          </a:solidFill>
-          <a:ln>
-            <a:solidFill>
-              <a:schemeClr val="tx1"/>
-            </a:solidFill>
-          </a:ln>
-        </p:spPr>
-        <p:style>
-          <a:lnRef idx="2">
-            <a:schemeClr val="accent1">
-              <a:shade val="50000"/>
-            </a:schemeClr>
-          </a:lnRef>
-          <a:fillRef idx="1">
-            <a:schemeClr val="accent1"/>
-          </a:fillRef>
-          <a:effectRef idx="0">
-            <a:schemeClr val="accent1"/>
-          </a:effectRef>
-          <a:fontRef idx="minor">
-            <a:schemeClr val="lt1"/>
-          </a:fontRef>
-        </p:style>
-        <p:txBody>
-          <a:bodyPr rtlCol="0" anchor="ctr"/>
-          <a:lstStyle/>
-          <a:p>
-            <a:pPr algn="ctr"/>
-            <a:r>
-              <a:rPr lang="es-CO" sz="900" dirty="0" smtClean="0"/>
-              <a:t>leyes de newton</a:t>
+              <a:t>Desplazamiento</a:t>
             </a:r>
             <a:endParaRPr lang="pt-BR" sz="900" dirty="0"/>
           </a:p>
@@ -3182,22 +2885,18 @@
               <a:rPr lang="pt-BR" sz="800" dirty="0"/>
               <a:t> o repulsiva.</a:t>
             </a:r>
-            <a:endParaRPr lang="pt-BR" sz="800" dirty="0"/>
           </a:p>
         </p:txBody>
       </p:sp>
       <p:cxnSp>
         <p:nvCxnSpPr>
           <p:cNvPr id="692" name="Conector angular 691"/>
-          <p:cNvCxnSpPr>
-            <a:stCxn id="4" idx="2"/>
-            <a:endCxn id="2" idx="0"/>
-          </p:cNvCxnSpPr>
+          <p:cNvCxnSpPr/>
           <p:nvPr/>
         </p:nvCxnSpPr>
         <p:spPr>
           <a:xfrm rot="16200000" flipH="1">
-            <a:off x="6341581" y="-1054836"/>
+            <a:off x="6341581" y="-1000020"/>
             <a:ext cx="3692" cy="3197392"/>
           </a:xfrm>
           <a:prstGeom prst="bentConnector3">
@@ -3428,58 +3127,17 @@
         <p:nvCxnSpPr>
           <p:cNvPr id="15" name="Conector angular 14"/>
           <p:cNvCxnSpPr>
-            <a:stCxn id="4" idx="2"/>
             <a:endCxn id="6" idx="0"/>
           </p:cNvCxnSpPr>
           <p:nvPr/>
         </p:nvCxnSpPr>
         <p:spPr>
-          <a:xfrm rot="5400000">
-            <a:off x="3162208" y="-1006345"/>
-            <a:ext cx="34164" cy="3130883"/>
-          </a:xfrm>
-          <a:prstGeom prst="bentConnector3">
-            <a:avLst/>
-          </a:prstGeom>
-          <a:ln>
-            <a:solidFill>
-              <a:schemeClr val="tx1"/>
-            </a:solidFill>
-          </a:ln>
-        </p:spPr>
-        <p:style>
-          <a:lnRef idx="1">
-            <a:schemeClr val="accent1"/>
-          </a:lnRef>
-          <a:fillRef idx="0">
-            <a:schemeClr val="accent1"/>
-          </a:fillRef>
-          <a:effectRef idx="0">
-            <a:schemeClr val="accent1"/>
-          </a:effectRef>
-          <a:fontRef idx="minor">
-            <a:schemeClr val="tx1"/>
-          </a:fontRef>
-        </p:style>
-      </p:cxnSp>
-      <p:cxnSp>
-        <p:nvCxnSpPr>
-          <p:cNvPr id="18" name="Conector angular 17"/>
-          <p:cNvCxnSpPr>
-            <a:stCxn id="6" idx="2"/>
-            <a:endCxn id="57" idx="0"/>
-          </p:cNvCxnSpPr>
-          <p:nvPr/>
-        </p:nvCxnSpPr>
-        <p:spPr>
-          <a:xfrm rot="16200000" flipH="1">
-            <a:off x="1817505" y="603352"/>
-            <a:ext cx="155377" cy="562691"/>
-          </a:xfrm>
-          <a:prstGeom prst="bentConnector3">
-            <a:avLst>
-              <a:gd name="adj1" fmla="val 41711"/>
-            </a:avLst>
+          <a:xfrm rot="10800000" flipV="1">
+            <a:off x="1035381" y="587698"/>
+            <a:ext cx="3700214" cy="61572"/>
+          </a:xfrm>
+          <a:prstGeom prst="bentConnector2">
+            <a:avLst/>
           </a:prstGeom>
           <a:ln>
             <a:solidFill>
@@ -3510,8 +3168,8 @@
         </p:nvSpPr>
         <p:spPr>
           <a:xfrm>
-            <a:off x="319776" y="1668221"/>
-            <a:ext cx="1063112" cy="230832"/>
+            <a:off x="849731" y="1713903"/>
+            <a:ext cx="447396" cy="230832"/>
           </a:xfrm>
           <a:prstGeom prst="rect">
             <a:avLst/>
@@ -3524,20 +3182,12 @@
           <a:lstStyle/>
           <a:p>
             <a:r>
-              <a:rPr lang="pt-BR" sz="900" dirty="0">
-                <a:solidFill>
-                  <a:srgbClr val="FF0000"/>
-                </a:solidFill>
-              </a:rPr>
-              <a:t>q</a:t>
-            </a:r>
-            <a:r>
               <a:rPr lang="pt-BR" sz="900" dirty="0" smtClean="0">
                 <a:solidFill>
                   <a:srgbClr val="FF0000"/>
                 </a:solidFill>
               </a:rPr>
-              <a:t>ue corresponde a</a:t>
+              <a:t>como</a:t>
             </a:r>
             <a:endParaRPr lang="pt-BR" sz="900" dirty="0">
               <a:solidFill>
@@ -3550,130 +3200,13 @@
       <p:cxnSp>
         <p:nvCxnSpPr>
           <p:cNvPr id="39" name="Conector recto 38"/>
-          <p:cNvCxnSpPr>
-            <a:stCxn id="37" idx="0"/>
-            <a:endCxn id="5" idx="2"/>
-          </p:cNvCxnSpPr>
+          <p:cNvCxnSpPr/>
           <p:nvPr/>
         </p:nvCxnSpPr>
         <p:spPr>
-          <a:xfrm flipV="1">
-            <a:off x="851332" y="1492110"/>
-            <a:ext cx="6984" cy="176111"/>
-          </a:xfrm>
-          <a:prstGeom prst="line">
-            <a:avLst/>
-          </a:prstGeom>
-          <a:ln>
-            <a:solidFill>
-              <a:schemeClr val="tx1"/>
-            </a:solidFill>
-          </a:ln>
-        </p:spPr>
-        <p:style>
-          <a:lnRef idx="1">
-            <a:schemeClr val="accent1"/>
-          </a:lnRef>
-          <a:fillRef idx="0">
-            <a:schemeClr val="accent1"/>
-          </a:fillRef>
-          <a:effectRef idx="0">
-            <a:schemeClr val="accent1"/>
-          </a:effectRef>
-          <a:fontRef idx="minor">
-            <a:schemeClr val="tx1"/>
-          </a:fontRef>
-        </p:style>
-      </p:cxnSp>
-      <p:cxnSp>
-        <p:nvCxnSpPr>
-          <p:cNvPr id="43" name="Conector recto 42"/>
-          <p:cNvCxnSpPr>
-            <a:stCxn id="57" idx="2"/>
-            <a:endCxn id="178" idx="0"/>
-          </p:cNvCxnSpPr>
-          <p:nvPr/>
-        </p:nvCxnSpPr>
-        <p:spPr>
-          <a:xfrm flipH="1">
-            <a:off x="2169303" y="1354395"/>
-            <a:ext cx="7236" cy="325789"/>
-          </a:xfrm>
-          <a:prstGeom prst="line">
-            <a:avLst/>
-          </a:prstGeom>
-          <a:ln>
-            <a:solidFill>
-              <a:schemeClr val="tx1"/>
-            </a:solidFill>
-          </a:ln>
-        </p:spPr>
-        <p:style>
-          <a:lnRef idx="1">
-            <a:schemeClr val="accent1"/>
-          </a:lnRef>
-          <a:fillRef idx="0">
-            <a:schemeClr val="accent1"/>
-          </a:fillRef>
-          <a:effectRef idx="0">
-            <a:schemeClr val="accent1"/>
-          </a:effectRef>
-          <a:fontRef idx="minor">
-            <a:schemeClr val="tx1"/>
-          </a:fontRef>
-        </p:style>
-      </p:cxnSp>
-      <p:cxnSp>
-        <p:nvCxnSpPr>
-          <p:cNvPr id="45" name="Conector recto 44"/>
-          <p:cNvCxnSpPr>
-            <a:stCxn id="178" idx="2"/>
-            <a:endCxn id="657" idx="0"/>
-          </p:cNvCxnSpPr>
-          <p:nvPr/>
-        </p:nvCxnSpPr>
-        <p:spPr>
-          <a:xfrm>
-            <a:off x="2169303" y="1911016"/>
-            <a:ext cx="7236" cy="203243"/>
-          </a:xfrm>
-          <a:prstGeom prst="line">
-            <a:avLst/>
-          </a:prstGeom>
-          <a:ln>
-            <a:solidFill>
-              <a:schemeClr val="tx1"/>
-            </a:solidFill>
-          </a:ln>
-        </p:spPr>
-        <p:style>
-          <a:lnRef idx="1">
-            <a:schemeClr val="accent1"/>
-          </a:lnRef>
-          <a:fillRef idx="0">
-            <a:schemeClr val="accent1"/>
-          </a:fillRef>
-          <a:effectRef idx="0">
-            <a:schemeClr val="accent1"/>
-          </a:effectRef>
-          <a:fontRef idx="minor">
-            <a:schemeClr val="tx1"/>
-          </a:fontRef>
-        </p:style>
-      </p:cxnSp>
-      <p:cxnSp>
-        <p:nvCxnSpPr>
-          <p:cNvPr id="47" name="Conector recto 46"/>
-          <p:cNvCxnSpPr>
-            <a:stCxn id="37" idx="2"/>
-            <a:endCxn id="655" idx="0"/>
-          </p:cNvCxnSpPr>
-          <p:nvPr/>
-        </p:nvCxnSpPr>
-        <p:spPr>
-          <a:xfrm>
-            <a:off x="851332" y="1899053"/>
-            <a:ext cx="0" cy="181638"/>
+          <a:xfrm flipH="1" flipV="1">
+            <a:off x="1050193" y="1492111"/>
+            <a:ext cx="580" cy="198120"/>
           </a:xfrm>
           <a:prstGeom prst="line">
             <a:avLst/>
@@ -3905,15 +3438,12 @@
       <p:cxnSp>
         <p:nvCxnSpPr>
           <p:cNvPr id="20" name="Conector angular 19"/>
-          <p:cNvCxnSpPr>
-            <a:stCxn id="456" idx="2"/>
-            <a:endCxn id="594" idx="0"/>
-          </p:cNvCxnSpPr>
+          <p:cNvCxnSpPr/>
           <p:nvPr/>
         </p:nvCxnSpPr>
         <p:spPr>
           <a:xfrm rot="5400000">
-            <a:off x="7982065" y="2126855"/>
+            <a:off x="7991202" y="2126855"/>
             <a:ext cx="754485" cy="7959"/>
           </a:xfrm>
           <a:prstGeom prst="bentConnector3">
@@ -4901,6 +4431,346 @@
             <a:schemeClr val="accent1"/>
           </a:fillRef>
           <a:effectRef idx="0">
+            <a:schemeClr val="accent1"/>
+          </a:effectRef>
+          <a:fontRef idx="minor">
+            <a:schemeClr val="tx1"/>
+          </a:fontRef>
+        </p:style>
+      </p:cxnSp>
+      <p:sp>
+        <p:nvSpPr>
+          <p:cNvPr id="139" name="Rectángulo 138"/>
+          <p:cNvSpPr/>
+          <p:nvPr/>
+        </p:nvSpPr>
+        <p:spPr>
+          <a:xfrm>
+            <a:off x="627236" y="2962043"/>
+            <a:ext cx="1013129" cy="244614"/>
+          </a:xfrm>
+          <a:prstGeom prst="rect">
+            <a:avLst/>
+          </a:prstGeom>
+          <a:ln>
+            <a:solidFill>
+              <a:schemeClr val="tx1"/>
+            </a:solidFill>
+          </a:ln>
+        </p:spPr>
+        <p:style>
+          <a:lnRef idx="1">
+            <a:schemeClr val="accent3"/>
+          </a:lnRef>
+          <a:fillRef idx="2">
+            <a:schemeClr val="accent3"/>
+          </a:fillRef>
+          <a:effectRef idx="1">
+            <a:schemeClr val="accent3"/>
+          </a:effectRef>
+          <a:fontRef idx="minor">
+            <a:schemeClr val="dk1"/>
+          </a:fontRef>
+        </p:style>
+        <p:txBody>
+          <a:bodyPr rtlCol="0" anchor="ctr"/>
+          <a:lstStyle/>
+          <a:p>
+            <a:pPr algn="ctr"/>
+            <a:r>
+              <a:rPr lang="pt-BR" sz="1000" dirty="0" err="1" smtClean="0"/>
+              <a:t>Trabajo</a:t>
+            </a:r>
+            <a:r>
+              <a:rPr lang="pt-BR" sz="1000" dirty="0" smtClean="0"/>
+              <a:t> Nulo</a:t>
+            </a:r>
+            <a:endParaRPr lang="pt-BR" sz="1000" dirty="0"/>
+          </a:p>
+        </p:txBody>
+      </p:sp>
+      <p:sp>
+        <p:nvSpPr>
+          <p:cNvPr id="140" name="Rectángulo 139"/>
+          <p:cNvSpPr/>
+          <p:nvPr/>
+        </p:nvSpPr>
+        <p:spPr>
+          <a:xfrm>
+            <a:off x="637883" y="2132856"/>
+            <a:ext cx="1011620" cy="285576"/>
+          </a:xfrm>
+          <a:prstGeom prst="rect">
+            <a:avLst/>
+          </a:prstGeom>
+          <a:ln>
+            <a:solidFill>
+              <a:schemeClr val="tx1"/>
+            </a:solidFill>
+          </a:ln>
+        </p:spPr>
+        <p:style>
+          <a:lnRef idx="1">
+            <a:schemeClr val="accent3"/>
+          </a:lnRef>
+          <a:fillRef idx="2">
+            <a:schemeClr val="accent3"/>
+          </a:fillRef>
+          <a:effectRef idx="1">
+            <a:schemeClr val="accent3"/>
+          </a:effectRef>
+          <a:fontRef idx="minor">
+            <a:schemeClr val="dk1"/>
+          </a:fontRef>
+        </p:style>
+        <p:txBody>
+          <a:bodyPr rtlCol="0" anchor="ctr"/>
+          <a:lstStyle/>
+          <a:p>
+            <a:pPr algn="ctr"/>
+            <a:r>
+              <a:rPr lang="pt-BR" sz="1100" dirty="0">
+                <a:solidFill>
+                  <a:schemeClr val="bg1"/>
+                </a:solidFill>
+              </a:rPr>
+              <a:t>Conservativa</a:t>
+            </a:r>
+            <a:r>
+              <a:rPr lang="pt-BR" sz="1000" dirty="0" smtClean="0"/>
+              <a:t> </a:t>
+            </a:r>
+            <a:endParaRPr lang="pt-BR" sz="1000" dirty="0"/>
+          </a:p>
+        </p:txBody>
+      </p:sp>
+      <p:sp>
+        <p:nvSpPr>
+          <p:cNvPr id="141" name="Rectángulo 140"/>
+          <p:cNvSpPr/>
+          <p:nvPr/>
+        </p:nvSpPr>
+        <p:spPr>
+          <a:xfrm>
+            <a:off x="644418" y="2513632"/>
+            <a:ext cx="1014222" cy="296292"/>
+          </a:xfrm>
+          <a:prstGeom prst="rect">
+            <a:avLst/>
+          </a:prstGeom>
+          <a:ln>
+            <a:solidFill>
+              <a:schemeClr val="tx1"/>
+            </a:solidFill>
+          </a:ln>
+        </p:spPr>
+        <p:style>
+          <a:lnRef idx="1">
+            <a:schemeClr val="accent3"/>
+          </a:lnRef>
+          <a:fillRef idx="2">
+            <a:schemeClr val="accent3"/>
+          </a:fillRef>
+          <a:effectRef idx="1">
+            <a:schemeClr val="accent3"/>
+          </a:effectRef>
+          <a:fontRef idx="minor">
+            <a:schemeClr val="dk1"/>
+          </a:fontRef>
+        </p:style>
+        <p:txBody>
+          <a:bodyPr rtlCol="0" anchor="ctr"/>
+          <a:lstStyle/>
+          <a:p>
+            <a:pPr algn="ctr"/>
+            <a:r>
+              <a:rPr lang="pt-BR" sz="1100" dirty="0">
+                <a:solidFill>
+                  <a:schemeClr val="bg1"/>
+                </a:solidFill>
+              </a:rPr>
+              <a:t>No</a:t>
+            </a:r>
+            <a:r>
+              <a:rPr lang="pt-BR" sz="1000" dirty="0" smtClean="0"/>
+              <a:t> conservativa</a:t>
+            </a:r>
+            <a:endParaRPr lang="pt-BR" sz="1000" dirty="0"/>
+          </a:p>
+        </p:txBody>
+      </p:sp>
+      <p:cxnSp>
+        <p:nvCxnSpPr>
+          <p:cNvPr id="144" name="Conector angular 143"/>
+          <p:cNvCxnSpPr>
+            <a:cxnSpLocks/>
+          </p:cNvCxnSpPr>
+          <p:nvPr/>
+        </p:nvCxnSpPr>
+        <p:spPr>
+          <a:xfrm rot="16200000" flipH="1">
+            <a:off x="-155283" y="2512501"/>
+            <a:ext cx="1260831" cy="5"/>
+          </a:xfrm>
+          <a:prstGeom prst="bentConnector3">
+            <a:avLst>
+              <a:gd name="adj1" fmla="val 50000"/>
+            </a:avLst>
+          </a:prstGeom>
+          <a:ln>
+            <a:solidFill>
+              <a:schemeClr val="tx1"/>
+            </a:solidFill>
+          </a:ln>
+        </p:spPr>
+        <p:style>
+          <a:lnRef idx="1">
+            <a:schemeClr val="accent1"/>
+          </a:lnRef>
+          <a:fillRef idx="0">
+            <a:schemeClr val="accent1"/>
+          </a:fillRef>
+          <a:effectRef idx="0">
+            <a:schemeClr val="accent1"/>
+          </a:effectRef>
+          <a:fontRef idx="minor">
+            <a:schemeClr val="tx1"/>
+          </a:fontRef>
+        </p:style>
+      </p:cxnSp>
+      <p:cxnSp>
+        <p:nvCxnSpPr>
+          <p:cNvPr id="104" name="Conector recto 103"/>
+          <p:cNvCxnSpPr/>
+          <p:nvPr/>
+        </p:nvCxnSpPr>
+        <p:spPr>
+          <a:xfrm flipV="1">
+            <a:off x="484268" y="2284096"/>
+            <a:ext cx="155332" cy="10"/>
+          </a:xfrm>
+          <a:prstGeom prst="line">
+            <a:avLst/>
+          </a:prstGeom>
+          <a:ln>
+            <a:solidFill>
+              <a:srgbClr val="000000"/>
+            </a:solidFill>
+          </a:ln>
+        </p:spPr>
+        <p:style>
+          <a:lnRef idx="2">
+            <a:schemeClr val="accent1"/>
+          </a:lnRef>
+          <a:fillRef idx="0">
+            <a:schemeClr val="accent1"/>
+          </a:fillRef>
+          <a:effectRef idx="1">
+            <a:schemeClr val="accent1"/>
+          </a:effectRef>
+          <a:fontRef idx="minor">
+            <a:schemeClr val="tx1"/>
+          </a:fontRef>
+        </p:style>
+      </p:cxnSp>
+      <p:cxnSp>
+        <p:nvCxnSpPr>
+          <p:cNvPr id="176" name="Conector recto 175"/>
+          <p:cNvCxnSpPr/>
+          <p:nvPr/>
+        </p:nvCxnSpPr>
+        <p:spPr>
+          <a:xfrm flipV="1">
+            <a:off x="481339" y="2655769"/>
+            <a:ext cx="155332" cy="10"/>
+          </a:xfrm>
+          <a:prstGeom prst="line">
+            <a:avLst/>
+          </a:prstGeom>
+          <a:ln>
+            <a:solidFill>
+              <a:srgbClr val="000000"/>
+            </a:solidFill>
+          </a:ln>
+        </p:spPr>
+        <p:style>
+          <a:lnRef idx="2">
+            <a:schemeClr val="accent1"/>
+          </a:lnRef>
+          <a:fillRef idx="0">
+            <a:schemeClr val="accent1"/>
+          </a:fillRef>
+          <a:effectRef idx="1">
+            <a:schemeClr val="accent1"/>
+          </a:effectRef>
+          <a:fontRef idx="minor">
+            <a:schemeClr val="tx1"/>
+          </a:fontRef>
+        </p:style>
+      </p:cxnSp>
+      <p:cxnSp>
+        <p:nvCxnSpPr>
+          <p:cNvPr id="179" name="Conector recto 178"/>
+          <p:cNvCxnSpPr/>
+          <p:nvPr/>
+        </p:nvCxnSpPr>
+        <p:spPr>
+          <a:xfrm flipV="1">
+            <a:off x="475474" y="3097615"/>
+            <a:ext cx="155332" cy="10"/>
+          </a:xfrm>
+          <a:prstGeom prst="line">
+            <a:avLst/>
+          </a:prstGeom>
+          <a:ln>
+            <a:solidFill>
+              <a:srgbClr val="000000"/>
+            </a:solidFill>
+          </a:ln>
+        </p:spPr>
+        <p:style>
+          <a:lnRef idx="2">
+            <a:schemeClr val="accent1"/>
+          </a:lnRef>
+          <a:fillRef idx="0">
+            <a:schemeClr val="accent1"/>
+          </a:fillRef>
+          <a:effectRef idx="1">
+            <a:schemeClr val="accent1"/>
+          </a:effectRef>
+          <a:fontRef idx="minor">
+            <a:schemeClr val="tx1"/>
+          </a:fontRef>
+        </p:style>
+      </p:cxnSp>
+      <p:cxnSp>
+        <p:nvCxnSpPr>
+          <p:cNvPr id="118" name="Conector recto 117"/>
+          <p:cNvCxnSpPr/>
+          <p:nvPr/>
+        </p:nvCxnSpPr>
+        <p:spPr>
+          <a:xfrm flipV="1">
+            <a:off x="465995" y="1882096"/>
+            <a:ext cx="274114" cy="1"/>
+          </a:xfrm>
+          <a:prstGeom prst="line">
+            <a:avLst/>
+          </a:prstGeom>
+          <a:ln>
+            <a:solidFill>
+              <a:srgbClr val="000000"/>
+            </a:solidFill>
+          </a:ln>
+        </p:spPr>
+        <p:style>
+          <a:lnRef idx="2">
+            <a:schemeClr val="accent1"/>
+          </a:lnRef>
+          <a:fillRef idx="0">
+            <a:schemeClr val="accent1"/>
+          </a:fillRef>
+          <a:effectRef idx="1">
             <a:schemeClr val="accent1"/>
           </a:effectRef>
           <a:fontRef idx="minor">
@@ -4933,7 +4803,7 @@
   <p:timing>
     <p:tnLst>
       <p:par>
-        <p:cTn id="1" dur="indefinite" restart="never" nodeType="tmRoot"/>
+        <p:cTn xmlns:p14="http://schemas.microsoft.com/office/powerpoint/2010/main" id="1" dur="indefinite" restart="never" nodeType="tmRoot"/>
       </p:par>
     </p:tnLst>
   </p:timing>
@@ -5195,7 +5065,7 @@
   <a:extraClrSchemeLst/>
   <a:extLst>
     <a:ext uri="{05A4C25C-085E-4340-85A3-A5531E510DB2}">
-      <thm15:themeFamily xmlns:thm15="http://schemas.microsoft.com/office/thememl/2012/main" name="Office Theme" id="{62F939B6-93AF-4DB8-9C6B-D6C7DFDC589F}" vid="{4A3C46E8-61CC-4603-A589-7422A47A8E4A}"/>
+      <thm15:themeFamily xmlns:thm15="http://schemas.microsoft.com/office/thememl/2012/main" xmlns="" name="Office Theme" id="{62F939B6-93AF-4DB8-9C6B-D6C7DFDC589F}" vid="{4A3C46E8-61CC-4603-A589-7422A47A8E4A}"/>
     </a:ext>
   </a:extLst>
 </a:theme>

--- a/fuentes/contenidos/grado10/guion05/CN_10_05_REC280.pptx
+++ b/fuentes/contenidos/grado10/guion05/CN_10_05_REC280.pptx
@@ -106,7 +106,7 @@
   </p:defaultTextStyle>
   <p:extLst>
     <p:ext uri="{EFAFB233-063F-42B5-8137-9DF3F51BA10A}">
-      <p15:sldGuideLst xmlns:p15="http://schemas.microsoft.com/office/powerpoint/2012/main" xmlns="">
+      <p15:sldGuideLst xmlns="" xmlns:p15="http://schemas.microsoft.com/office/powerpoint/2012/main">
         <p15:guide id="1" orient="horz" pos="2160">
           <p15:clr>
             <a:srgbClr val="A4A3A4"/>
@@ -1073,11 +1073,7 @@
             <a:pPr algn="ctr"/>
             <a:r>
               <a:rPr lang="es-ES" sz="1600" dirty="0" smtClean="0"/>
-              <a:t>Trabajo y Energ</a:t>
-            </a:r>
-            <a:r>
-              <a:rPr lang="es-ES" sz="1600" dirty="0" smtClean="0"/>
-              <a:t>ía</a:t>
+              <a:t>Trabajo y Energía</a:t>
             </a:r>
             <a:endParaRPr lang="es-ES" sz="1600" dirty="0"/>
           </a:p>
@@ -1091,7 +1087,7 @@
         </p:nvSpPr>
         <p:spPr>
           <a:xfrm>
-            <a:off x="526561" y="919845"/>
+            <a:off x="508286" y="919845"/>
             <a:ext cx="1083817" cy="572265"/>
           </a:xfrm>
           <a:prstGeom prst="rect">
@@ -1134,7 +1130,7 @@
             <a:pPr algn="ctr"/>
             <a:r>
               <a:rPr lang="es-ES" sz="1200" b="1" dirty="0" smtClean="0"/>
-              <a:t>Fuerza</a:t>
+              <a:t>Trabajo</a:t>
             </a:r>
             <a:endParaRPr lang="es-ES" sz="1200" b="1" dirty="0"/>
           </a:p>
@@ -1980,8 +1976,8 @@
         </p:nvSpPr>
         <p:spPr>
           <a:xfrm>
-            <a:off x="705425" y="649270"/>
-            <a:ext cx="659912" cy="230832"/>
+            <a:off x="623190" y="658407"/>
+            <a:ext cx="858002" cy="230832"/>
           </a:xfrm>
           <a:prstGeom prst="rect">
             <a:avLst/>
@@ -1994,20 +1990,12 @@
           <a:lstStyle/>
           <a:p>
             <a:r>
-              <a:rPr lang="pt-BR" sz="900" dirty="0" err="1"/>
-              <a:t>c</a:t>
+              <a:rPr lang="pt-BR" sz="900" dirty="0" smtClean="0"/>
+              <a:t>se identifica </a:t>
             </a:r>
             <a:r>
               <a:rPr lang="pt-BR" sz="900" dirty="0" err="1" smtClean="0"/>
-              <a:t>lasifica</a:t>
-            </a:r>
-            <a:r>
-              <a:rPr lang="pt-BR" sz="900" dirty="0" smtClean="0"/>
-              <a:t> </a:t>
-            </a:r>
-            <a:r>
-              <a:rPr lang="pt-BR" sz="900" dirty="0" err="1" smtClean="0"/>
-              <a:t>la</a:t>
+              <a:t>el</a:t>
             </a:r>
             <a:endParaRPr lang="pt-BR" sz="900" dirty="0"/>
           </a:p>
@@ -2772,7 +2760,7 @@
         </p:nvSpPr>
         <p:spPr>
           <a:xfrm>
-            <a:off x="393966" y="3992600"/>
+            <a:off x="1865046" y="3353052"/>
             <a:ext cx="994882" cy="465545"/>
           </a:xfrm>
           <a:prstGeom prst="rect">
@@ -2896,7 +2884,7 @@
         </p:nvCxnSpPr>
         <p:spPr>
           <a:xfrm rot="16200000" flipH="1">
-            <a:off x="6341581" y="-1000020"/>
+            <a:off x="6314170" y="-1000020"/>
             <a:ext cx="3692" cy="3197392"/>
           </a:xfrm>
           <a:prstGeom prst="bentConnector3">
@@ -3126,14 +3114,12 @@
       <p:cxnSp>
         <p:nvCxnSpPr>
           <p:cNvPr id="15" name="Conector angular 14"/>
-          <p:cNvCxnSpPr>
-            <a:endCxn id="6" idx="0"/>
-          </p:cNvCxnSpPr>
+          <p:cNvCxnSpPr/>
           <p:nvPr/>
         </p:nvCxnSpPr>
         <p:spPr>
           <a:xfrm rot="10800000" flipV="1">
-            <a:off x="1035381" y="587698"/>
+            <a:off x="1035381" y="596834"/>
             <a:ext cx="3700214" cy="61572"/>
           </a:xfrm>
           <a:prstGeom prst="bentConnector2">
@@ -3168,30 +3154,78 @@
         </p:nvSpPr>
         <p:spPr>
           <a:xfrm>
-            <a:off x="849731" y="1713903"/>
-            <a:ext cx="447396" cy="230832"/>
+            <a:off x="-548228" y="1617138"/>
+            <a:ext cx="2604086" cy="230832"/>
           </a:xfrm>
           <a:prstGeom prst="rect">
             <a:avLst/>
           </a:prstGeom>
         </p:spPr>
         <p:txBody>
-          <a:bodyPr wrap="none">
+          <a:bodyPr wrap="square">
             <a:spAutoFit/>
           </a:bodyPr>
           <a:lstStyle/>
           <a:p>
             <a:r>
-              <a:rPr lang="pt-BR" sz="900" dirty="0" smtClean="0">
+              <a:rPr lang="pt-BR" sz="900" dirty="0">
                 <a:solidFill>
                   <a:srgbClr val="FF0000"/>
                 </a:solidFill>
               </a:rPr>
-              <a:t>como</a:t>
+              <a:t>	</a:t>
+            </a:r>
+            <a:r>
+              <a:rPr lang="pt-BR" sz="900" dirty="0" smtClean="0">
+                <a:solidFill>
+                  <a:srgbClr val="000000"/>
+                </a:solidFill>
+              </a:rPr>
+              <a:t>como </a:t>
+            </a:r>
+            <a:r>
+              <a:rPr lang="pt-BR" sz="900" dirty="0" err="1" smtClean="0">
+                <a:solidFill>
+                  <a:srgbClr val="000000"/>
+                </a:solidFill>
+              </a:rPr>
+              <a:t>factor</a:t>
+            </a:r>
+            <a:r>
+              <a:rPr lang="pt-BR" sz="900" dirty="0" smtClean="0">
+                <a:solidFill>
+                  <a:srgbClr val="000000"/>
+                </a:solidFill>
+              </a:rPr>
+              <a:t> que </a:t>
+            </a:r>
+            <a:r>
+              <a:rPr lang="pt-BR" sz="900" dirty="0" err="1" smtClean="0">
+                <a:solidFill>
+                  <a:srgbClr val="000000"/>
+                </a:solidFill>
+              </a:rPr>
+              <a:t>clasifica</a:t>
+            </a:r>
+            <a:r>
+              <a:rPr lang="pt-BR" sz="900" dirty="0" smtClean="0">
+                <a:solidFill>
+                  <a:srgbClr val="000000"/>
+                </a:solidFill>
+              </a:rPr>
+              <a:t> </a:t>
+            </a:r>
+            <a:r>
+              <a:rPr lang="pt-BR" sz="900" dirty="0" err="1" smtClean="0">
+                <a:solidFill>
+                  <a:srgbClr val="000000"/>
+                </a:solidFill>
+              </a:rPr>
+              <a:t>la</a:t>
             </a:r>
             <a:endParaRPr lang="pt-BR" sz="900" dirty="0">
               <a:solidFill>
-                <a:srgbClr val="FF0000"/>
+                <a:srgbClr val="000000"/>
               </a:solidFill>
             </a:endParaRPr>
           </a:p>
@@ -4446,12 +4480,15 @@
         </p:nvSpPr>
         <p:spPr>
           <a:xfrm>
-            <a:off x="627236" y="2962043"/>
-            <a:ext cx="1013129" cy="244614"/>
+            <a:off x="627236" y="3126498"/>
+            <a:ext cx="1013129" cy="372738"/>
           </a:xfrm>
           <a:prstGeom prst="rect">
             <a:avLst/>
           </a:prstGeom>
+          <a:solidFill>
+            <a:srgbClr val="767171"/>
+          </a:solidFill>
           <a:ln>
             <a:solidFill>
               <a:schemeClr val="tx1"/>
@@ -4478,14 +4515,58 @@
           <a:p>
             <a:pPr algn="ctr"/>
             <a:r>
-              <a:rPr lang="pt-BR" sz="1000" dirty="0" err="1" smtClean="0"/>
+              <a:rPr lang="pt-BR" sz="1100" dirty="0" err="1" smtClean="0">
+                <a:solidFill>
+                  <a:schemeClr val="bg1"/>
+                </a:solidFill>
+              </a:rPr>
+              <a:t>Fuerza</a:t>
+            </a:r>
+            <a:r>
+              <a:rPr lang="pt-BR" sz="1100" dirty="0" smtClean="0">
+                <a:solidFill>
+                  <a:schemeClr val="bg1"/>
+                </a:solidFill>
+              </a:rPr>
+              <a:t> </a:t>
+            </a:r>
+            <a:r>
+              <a:rPr lang="pt-BR" sz="1100" dirty="0" err="1" smtClean="0">
+                <a:solidFill>
+                  <a:schemeClr val="bg1"/>
+                </a:solidFill>
+              </a:rPr>
+              <a:t>con</a:t>
+            </a:r>
+            <a:r>
+              <a:rPr lang="pt-BR" sz="1100" dirty="0" smtClean="0">
+                <a:solidFill>
+                  <a:schemeClr val="bg1"/>
+                </a:solidFill>
+              </a:rPr>
+              <a:t> </a:t>
+            </a:r>
+            <a:r>
+              <a:rPr lang="pt-BR" sz="1100" dirty="0" err="1" smtClean="0">
+                <a:solidFill>
+                  <a:schemeClr val="bg1"/>
+                </a:solidFill>
+              </a:rPr>
               <a:t>Trabajo</a:t>
             </a:r>
             <a:r>
-              <a:rPr lang="pt-BR" sz="1000" dirty="0" smtClean="0"/>
+              <a:rPr lang="pt-BR" sz="1100" dirty="0" smtClean="0">
+                <a:solidFill>
+                  <a:schemeClr val="bg1"/>
+                </a:solidFill>
+              </a:rPr>
               <a:t> Nulo</a:t>
             </a:r>
-            <a:endParaRPr lang="pt-BR" sz="1000" dirty="0"/>
+            <a:endParaRPr lang="pt-BR" sz="1100" dirty="0">
+              <a:solidFill>
+                <a:schemeClr val="bg1"/>
+              </a:solidFill>
+            </a:endParaRPr>
           </a:p>
         </p:txBody>
       </p:sp>
@@ -4497,12 +4578,17 @@
         </p:nvSpPr>
         <p:spPr>
           <a:xfrm>
-            <a:off x="637883" y="2132856"/>
-            <a:ext cx="1011620" cy="285576"/>
+            <a:off x="637883" y="1991731"/>
+            <a:ext cx="1011620" cy="493365"/>
           </a:xfrm>
           <a:prstGeom prst="rect">
             <a:avLst/>
           </a:prstGeom>
+          <a:solidFill>
+            <a:schemeClr val="bg2">
+              <a:lumMod val="50000"/>
+            </a:schemeClr>
+          </a:solidFill>
           <a:ln>
             <a:solidFill>
               <a:schemeClr val="tx1"/>
@@ -4529,18 +4615,57 @@
           <a:p>
             <a:pPr algn="ctr"/>
             <a:r>
+              <a:rPr lang="pt-BR" sz="1100" dirty="0" err="1" smtClean="0">
+                <a:solidFill>
+                  <a:schemeClr val="bg1"/>
+                </a:solidFill>
+              </a:rPr>
+              <a:t>Fuerza</a:t>
+            </a:r>
+            <a:endParaRPr lang="pt-BR" sz="1100" dirty="0" smtClean="0">
+              <a:solidFill>
+                <a:schemeClr val="bg1"/>
+              </a:solidFill>
+            </a:endParaRPr>
+          </a:p>
+          <a:p>
+            <a:pPr algn="ctr"/>
+            <a:r>
+              <a:rPr lang="pt-BR" sz="1100" dirty="0" smtClean="0">
+                <a:solidFill>
+                  <a:schemeClr val="bg1"/>
+                </a:solidFill>
+              </a:rPr>
+              <a:t>Conservativa</a:t>
+            </a:r>
+            <a:r>
+              <a:rPr lang="pt-BR" sz="1000" dirty="0" smtClean="0"/>
+              <a:t> </a:t>
+            </a:r>
+          </a:p>
+          <a:p>
+            <a:pPr algn="ctr"/>
+            <a:r>
               <a:rPr lang="pt-BR" sz="1100" dirty="0">
                 <a:solidFill>
                   <a:schemeClr val="bg1"/>
                 </a:solidFill>
               </a:rPr>
-              <a:t>Conservativa</a:t>
-            </a:r>
-            <a:r>
-              <a:rPr lang="pt-BR" sz="1000" dirty="0" smtClean="0"/>
-              <a:t> </a:t>
-            </a:r>
-            <a:endParaRPr lang="pt-BR" sz="1000" dirty="0"/>
+              <a:t>W=</a:t>
+            </a:r>
+            <a:r>
+              <a:rPr lang="pt-BR" sz="1100" dirty="0" err="1">
+                <a:solidFill>
+                  <a:schemeClr val="bg1"/>
+                </a:solidFill>
+              </a:rPr>
+              <a:t>Fx</a:t>
+            </a:r>
+            <a:endParaRPr lang="pt-BR" sz="1100" dirty="0">
+              <a:solidFill>
+                <a:schemeClr val="bg1"/>
+              </a:solidFill>
+            </a:endParaRPr>
           </a:p>
         </p:txBody>
       </p:sp>
@@ -4552,12 +4677,15 @@
         </p:nvSpPr>
         <p:spPr>
           <a:xfrm>
-            <a:off x="644418" y="2513632"/>
-            <a:ext cx="1014222" cy="296292"/>
+            <a:off x="644418" y="2558188"/>
+            <a:ext cx="1014222" cy="475093"/>
           </a:xfrm>
           <a:prstGeom prst="rect">
             <a:avLst/>
           </a:prstGeom>
+          <a:solidFill>
+            <a:srgbClr val="767171"/>
+          </a:solidFill>
           <a:ln>
             <a:solidFill>
               <a:schemeClr val="tx1"/>
@@ -4584,18 +4712,57 @@
           <a:p>
             <a:pPr algn="ctr"/>
             <a:r>
-              <a:rPr lang="pt-BR" sz="1100" dirty="0">
+              <a:rPr lang="pt-BR" sz="1100" dirty="0" err="1" smtClean="0">
                 <a:solidFill>
                   <a:schemeClr val="bg1"/>
                 </a:solidFill>
               </a:rPr>
-              <a:t>No</a:t>
+              <a:t>Fuerza</a:t>
+            </a:r>
+            <a:r>
+              <a:rPr lang="pt-BR" sz="1100" dirty="0" smtClean="0">
+                <a:solidFill>
+                  <a:schemeClr val="bg1"/>
+                </a:solidFill>
+              </a:rPr>
+              <a:t> No</a:t>
             </a:r>
             <a:r>
               <a:rPr lang="pt-BR" sz="1000" dirty="0" smtClean="0"/>
-              <a:t> conservativa</a:t>
-            </a:r>
-            <a:endParaRPr lang="pt-BR" sz="1000" dirty="0"/>
+              <a:t> </a:t>
+            </a:r>
+            <a:r>
+              <a:rPr lang="pt-BR" sz="1600" baseline="30000" dirty="0" smtClean="0">
+                <a:solidFill>
+                  <a:schemeClr val="bg1"/>
+                </a:solidFill>
+              </a:rPr>
+              <a:t>conservativa</a:t>
+            </a:r>
+          </a:p>
+          <a:p>
+            <a:pPr algn="ctr"/>
+            <a:r>
+              <a:rPr lang="pt-BR" sz="1600" baseline="30000" dirty="0" smtClean="0">
+                <a:solidFill>
+                  <a:schemeClr val="bg1"/>
+                </a:solidFill>
+              </a:rPr>
+              <a:t>W=-</a:t>
+            </a:r>
+            <a:r>
+              <a:rPr lang="pt-BR" sz="1600" baseline="30000" dirty="0" err="1" smtClean="0">
+                <a:solidFill>
+                  <a:schemeClr val="bg1"/>
+                </a:solidFill>
+              </a:rPr>
+              <a:t>Fx</a:t>
+            </a:r>
+            <a:endParaRPr lang="pt-BR" sz="1600" baseline="30000" dirty="0">
+              <a:solidFill>
+                <a:schemeClr val="bg1"/>
+              </a:solidFill>
+            </a:endParaRPr>
           </a:p>
         </p:txBody>
       </p:sp>
@@ -4609,8 +4776,8 @@
         </p:nvCxnSpPr>
         <p:spPr>
           <a:xfrm rot="16200000" flipH="1">
-            <a:off x="-155283" y="2512501"/>
-            <a:ext cx="1260831" cy="5"/>
+            <a:off x="-251215" y="2608433"/>
+            <a:ext cx="1452693" cy="2"/>
           </a:xfrm>
           <a:prstGeom prst="bentConnector3">
             <a:avLst>
@@ -4716,7 +4883,7 @@
         </p:nvCxnSpPr>
         <p:spPr>
           <a:xfrm flipV="1">
-            <a:off x="475474" y="3097615"/>
+            <a:off x="475474" y="3335151"/>
             <a:ext cx="155332" cy="10"/>
           </a:xfrm>
           <a:prstGeom prst="line">
@@ -4753,6 +4920,41 @@
           <a:xfrm flipV="1">
             <a:off x="465995" y="1882096"/>
             <a:ext cx="274114" cy="1"/>
+          </a:xfrm>
+          <a:prstGeom prst="line">
+            <a:avLst/>
+          </a:prstGeom>
+          <a:ln>
+            <a:solidFill>
+              <a:srgbClr val="000000"/>
+            </a:solidFill>
+          </a:ln>
+        </p:spPr>
+        <p:style>
+          <a:lnRef idx="2">
+            <a:schemeClr val="accent1"/>
+          </a:lnRef>
+          <a:fillRef idx="0">
+            <a:schemeClr val="accent1"/>
+          </a:fillRef>
+          <a:effectRef idx="1">
+            <a:schemeClr val="accent1"/>
+          </a:effectRef>
+          <a:fontRef idx="minor">
+            <a:schemeClr val="tx1"/>
+          </a:fontRef>
+        </p:style>
+      </p:cxnSp>
+      <p:cxnSp>
+        <p:nvCxnSpPr>
+          <p:cNvPr id="153" name="Conector recto 152"/>
+          <p:cNvCxnSpPr/>
+          <p:nvPr/>
+        </p:nvCxnSpPr>
+        <p:spPr>
+          <a:xfrm flipV="1">
+            <a:off x="4678220" y="529920"/>
+            <a:ext cx="0" cy="100498"/>
           </a:xfrm>
           <a:prstGeom prst="line">
             <a:avLst/>
@@ -5065,7 +5267,7 @@
   <a:extraClrSchemeLst/>
   <a:extLst>
     <a:ext uri="{05A4C25C-085E-4340-85A3-A5531E510DB2}">
-      <thm15:themeFamily xmlns:thm15="http://schemas.microsoft.com/office/thememl/2012/main" xmlns="" name="Office Theme" id="{62F939B6-93AF-4DB8-9C6B-D6C7DFDC589F}" vid="{4A3C46E8-61CC-4603-A589-7422A47A8E4A}"/>
+      <thm15:themeFamily xmlns="" xmlns:thm15="http://schemas.microsoft.com/office/thememl/2012/main" name="Office Theme" id="{62F939B6-93AF-4DB8-9C6B-D6C7DFDC589F}" vid="{4A3C46E8-61CC-4603-A589-7422A47A8E4A}"/>
     </a:ext>
   </a:extLst>
 </a:theme>

--- a/fuentes/contenidos/grado10/guion05/CN_10_05_REC280.pptx
+++ b/fuentes/contenidos/grado10/guion05/CN_10_05_REC280.pptx
@@ -106,7 +106,7 @@
   </p:defaultTextStyle>
   <p:extLst>
     <p:ext uri="{EFAFB233-063F-42B5-8137-9DF3F51BA10A}">
-      <p15:sldGuideLst xmlns="" xmlns:p15="http://schemas.microsoft.com/office/powerpoint/2012/main">
+      <p15:sldGuideLst xmlns:p15="http://schemas.microsoft.com/office/powerpoint/2012/main">
         <p15:guide id="1" orient="horz" pos="2160">
           <p15:clr>
             <a:srgbClr val="A4A3A4"/>
@@ -153,7 +153,7 @@
   <p:timing>
     <p:tnLst>
       <p:par>
-        <p:cTn xmlns:p14="http://schemas.microsoft.com/office/powerpoint/2010/main" id="1" dur="indefinite" restart="never" nodeType="tmRoot"/>
+        <p:cTn id="1" dur="indefinite" restart="never" nodeType="tmRoot"/>
       </p:par>
     </p:tnLst>
   </p:timing>
@@ -190,7 +190,7 @@
   <p:timing>
     <p:tnLst>
       <p:par>
-        <p:cTn xmlns:p14="http://schemas.microsoft.com/office/powerpoint/2010/main" id="1" dur="indefinite" restart="never" nodeType="tmRoot"/>
+        <p:cTn id="1" dur="indefinite" restart="never" nodeType="tmRoot"/>
       </p:par>
     </p:tnLst>
   </p:timing>
@@ -227,7 +227,7 @@
   <p:timing>
     <p:tnLst>
       <p:par>
-        <p:cTn xmlns:p14="http://schemas.microsoft.com/office/powerpoint/2010/main" id="1" dur="indefinite" restart="never" nodeType="tmRoot"/>
+        <p:cTn id="1" dur="indefinite" restart="never" nodeType="tmRoot"/>
       </p:par>
     </p:tnLst>
   </p:timing>
@@ -264,7 +264,7 @@
   <p:timing>
     <p:tnLst>
       <p:par>
-        <p:cTn xmlns:p14="http://schemas.microsoft.com/office/powerpoint/2010/main" id="1" dur="indefinite" restart="never" nodeType="tmRoot"/>
+        <p:cTn id="1" dur="indefinite" restart="never" nodeType="tmRoot"/>
       </p:par>
     </p:tnLst>
   </p:timing>
@@ -301,7 +301,7 @@
   <p:timing>
     <p:tnLst>
       <p:par>
-        <p:cTn xmlns:p14="http://schemas.microsoft.com/office/powerpoint/2010/main" id="1" dur="indefinite" restart="never" nodeType="tmRoot"/>
+        <p:cTn id="1" dur="indefinite" restart="never" nodeType="tmRoot"/>
       </p:par>
     </p:tnLst>
   </p:timing>
@@ -338,7 +338,7 @@
   <p:timing>
     <p:tnLst>
       <p:par>
-        <p:cTn xmlns:p14="http://schemas.microsoft.com/office/powerpoint/2010/main" id="1" dur="indefinite" restart="never" nodeType="tmRoot"/>
+        <p:cTn id="1" dur="indefinite" restart="never" nodeType="tmRoot"/>
       </p:par>
     </p:tnLst>
   </p:timing>
@@ -375,7 +375,7 @@
   <p:timing>
     <p:tnLst>
       <p:par>
-        <p:cTn xmlns:p14="http://schemas.microsoft.com/office/powerpoint/2010/main" id="1" dur="indefinite" restart="never" nodeType="tmRoot"/>
+        <p:cTn id="1" dur="indefinite" restart="never" nodeType="tmRoot"/>
       </p:par>
     </p:tnLst>
   </p:timing>
@@ -412,7 +412,7 @@
   <p:timing>
     <p:tnLst>
       <p:par>
-        <p:cTn xmlns:p14="http://schemas.microsoft.com/office/powerpoint/2010/main" id="1" dur="indefinite" restart="never" nodeType="tmRoot"/>
+        <p:cTn id="1" dur="indefinite" restart="never" nodeType="tmRoot"/>
       </p:par>
     </p:tnLst>
   </p:timing>
@@ -461,7 +461,7 @@
           <a:p>
             <a:fld id="{5001C876-01F7-4317-94B9-1AE222133113}" type="datetimeFigureOut">
               <a:rPr lang="es-ES" smtClean="0"/>
-              <a:t>14/09/15</a:t>
+              <a:t>22/09/2015</a:t>
             </a:fld>
             <a:endParaRPr lang="es-ES"/>
           </a:p>
@@ -519,7 +519,7 @@
           <a:p>
             <a:fld id="{58140F73-F5A2-4B82-A2FA-BF1850CF1309}" type="slidenum">
               <a:rPr lang="es-ES" smtClean="0"/>
-              <a:t>‹Nr.›</a:t>
+              <a:t>‹Nº›</a:t>
             </a:fld>
             <a:endParaRPr lang="es-ES"/>
           </a:p>
@@ -538,7 +538,7 @@
   <p:timing>
     <p:tnLst>
       <p:par>
-        <p:cTn xmlns:p14="http://schemas.microsoft.com/office/powerpoint/2010/main" id="1" dur="indefinite" restart="never" nodeType="tmRoot"/>
+        <p:cTn id="1" dur="indefinite" restart="never" nodeType="tmRoot"/>
       </p:par>
     </p:tnLst>
   </p:timing>
@@ -575,7 +575,7 @@
   <p:timing>
     <p:tnLst>
       <p:par>
-        <p:cTn xmlns:p14="http://schemas.microsoft.com/office/powerpoint/2010/main" id="1" dur="indefinite" restart="never" nodeType="tmRoot"/>
+        <p:cTn id="1" dur="indefinite" restart="never" nodeType="tmRoot"/>
       </p:par>
     </p:tnLst>
   </p:timing>
@@ -612,7 +612,7 @@
   <p:timing>
     <p:tnLst>
       <p:par>
-        <p:cTn xmlns:p14="http://schemas.microsoft.com/office/powerpoint/2010/main" id="1" dur="indefinite" restart="never" nodeType="tmRoot"/>
+        <p:cTn id="1" dur="indefinite" restart="never" nodeType="tmRoot"/>
       </p:par>
     </p:tnLst>
   </p:timing>
@@ -725,7 +725,7 @@
   <p:timing>
     <p:tnLst>
       <p:par>
-        <p:cTn xmlns:p14="http://schemas.microsoft.com/office/powerpoint/2010/main" id="1" dur="indefinite" restart="never" nodeType="tmRoot"/>
+        <p:cTn id="1" dur="indefinite" restart="never" nodeType="tmRoot"/>
       </p:par>
     </p:tnLst>
   </p:timing>
@@ -5005,7 +5005,7 @@
   <p:timing>
     <p:tnLst>
       <p:par>
-        <p:cTn xmlns:p14="http://schemas.microsoft.com/office/powerpoint/2010/main" id="1" dur="indefinite" restart="never" nodeType="tmRoot"/>
+        <p:cTn id="1" dur="indefinite" restart="never" nodeType="tmRoot"/>
       </p:par>
     </p:tnLst>
   </p:timing>
@@ -5267,7 +5267,7 @@
   <a:extraClrSchemeLst/>
   <a:extLst>
     <a:ext uri="{05A4C25C-085E-4340-85A3-A5531E510DB2}">
-      <thm15:themeFamily xmlns="" xmlns:thm15="http://schemas.microsoft.com/office/thememl/2012/main" name="Office Theme" id="{62F939B6-93AF-4DB8-9C6B-D6C7DFDC589F}" vid="{4A3C46E8-61CC-4603-A589-7422A47A8E4A}"/>
+      <thm15:themeFamily xmlns:thm15="http://schemas.microsoft.com/office/thememl/2012/main" name="Office Theme" id="{62F939B6-93AF-4DB8-9C6B-D6C7DFDC589F}" vid="{4A3C46E8-61CC-4603-A589-7422A47A8E4A}"/>
     </a:ext>
   </a:extLst>
 </a:theme>
